--- a/long_class_lectures/Lecture 2_ Elements of closed loop systems/elements_of_closed_loop_systems.pptx
+++ b/long_class_lectures/Lecture 2_ Elements of closed loop systems/elements_of_closed_loop_systems.pptx
@@ -276,7 +276,7 @@
       </p15:sldGuideLst>
     </p:ext>
     <p:ext uri="http://customooxmlschemas.google.com/">
-      <go:slidesCustomData xmlns:go="http://customooxmlschemas.google.com/" xmlns:ahyp="http://schemas.microsoft.com/office/drawing/2018/hyperlinkcolor" xmlns:p15="http://schemas.microsoft.com/office/powerpoint/2012/main" xmlns:p14="http://schemas.microsoft.com/office/powerpoint/2010/main" xmlns:com="http://schemas.openxmlformats.org/drawingml/2006/compatibility" xmlns:pvml="urn:schemas-microsoft-com:office:powerpoint" xmlns:v="urn:schemas-microsoft-com:vml" xmlns:o="urn:schemas-microsoft-com:office:office" xmlns:dgm="http://schemas.openxmlformats.org/drawingml/2006/diagram" xmlns:c="http://schemas.openxmlformats.org/drawingml/2006/chart" xmlns:mv="urn:schemas-microsoft-com:mac:vml" xmlns:mc="http://schemas.openxmlformats.org/markup-compatibility/2006" xmlns="" r:id="rId43" roundtripDataSignature="AMtx7mgCuaoS/ao6GLJNkk1J/HieLCYVzQ=="/>
+      <go:slidesCustomData xmlns="" xmlns:mc="http://schemas.openxmlformats.org/markup-compatibility/2006" xmlns:mv="urn:schemas-microsoft-com:mac:vml" xmlns:c="http://schemas.openxmlformats.org/drawingml/2006/chart" xmlns:dgm="http://schemas.openxmlformats.org/drawingml/2006/diagram" xmlns:o="urn:schemas-microsoft-com:office:office" xmlns:v="urn:schemas-microsoft-com:vml" xmlns:pvml="urn:schemas-microsoft-com:office:powerpoint" xmlns:com="http://schemas.openxmlformats.org/drawingml/2006/compatibility" xmlns:p14="http://schemas.microsoft.com/office/powerpoint/2010/main" xmlns:p15="http://schemas.microsoft.com/office/powerpoint/2012/main" xmlns:ahyp="http://schemas.microsoft.com/office/drawing/2018/hyperlinkcolor" xmlns:go="http://customooxmlschemas.google.com/" r:id="rId43" roundtripDataSignature="AMtx7mgCuaoS/ao6GLJNkk1J/HieLCYVzQ=="/>
     </p:ext>
   </p:extLst>
 </p:presentation>
@@ -20983,8 +20983,8 @@
           </a:p>
         </p:txBody>
       </p:sp>
-      <mc:AlternateContent xmlns:mc="http://schemas.openxmlformats.org/markup-compatibility/2006">
-        <mc:Choice xmlns:a14="http://schemas.microsoft.com/office/drawing/2010/main" Requires="a14">
+      <mc:AlternateContent xmlns:mc="http://schemas.openxmlformats.org/markup-compatibility/2006" xmlns:a14="http://schemas.microsoft.com/office/drawing/2010/main">
+        <mc:Choice Requires="a14">
           <p:sp>
             <p:nvSpPr>
               <p:cNvPr id="54" name="TextBox 53">
@@ -21066,7 +21066,7 @@
             </p:txBody>
           </p:sp>
         </mc:Choice>
-        <mc:Fallback>
+        <mc:Fallback xmlns="">
           <p:sp>
             <p:nvSpPr>
               <p:cNvPr id="54" name="TextBox 53">
@@ -21215,8 +21215,8 @@
           </a:p>
         </p:txBody>
       </p:sp>
-      <mc:AlternateContent xmlns:mc="http://schemas.openxmlformats.org/markup-compatibility/2006">
-        <mc:Choice xmlns:a14="http://schemas.microsoft.com/office/drawing/2010/main" Requires="a14">
+      <mc:AlternateContent xmlns:mc="http://schemas.openxmlformats.org/markup-compatibility/2006" xmlns:a14="http://schemas.microsoft.com/office/drawing/2010/main">
+        <mc:Choice Requires="a14">
           <p:sp>
             <p:nvSpPr>
               <p:cNvPr id="58" name="Rectangle 57">
@@ -21317,7 +21317,7 @@
             </p:txBody>
           </p:sp>
         </mc:Choice>
-        <mc:Fallback>
+        <mc:Fallback xmlns="">
           <p:sp>
             <p:nvSpPr>
               <p:cNvPr id="58" name="Rectangle 57">
@@ -21367,8 +21367,8 @@
           </p:sp>
         </mc:Fallback>
       </mc:AlternateContent>
-      <mc:AlternateContent xmlns:mc="http://schemas.openxmlformats.org/markup-compatibility/2006">
-        <mc:Choice xmlns:a14="http://schemas.microsoft.com/office/drawing/2010/main" Requires="a14">
+      <mc:AlternateContent xmlns:mc="http://schemas.openxmlformats.org/markup-compatibility/2006" xmlns:a14="http://schemas.microsoft.com/office/drawing/2010/main">
+        <mc:Choice Requires="a14">
           <p:sp>
             <p:nvSpPr>
               <p:cNvPr id="59" name="Rectangle 58">
@@ -21458,7 +21458,7 @@
             </p:txBody>
           </p:sp>
         </mc:Choice>
-        <mc:Fallback>
+        <mc:Fallback xmlns="">
           <p:sp>
             <p:nvSpPr>
               <p:cNvPr id="59" name="Rectangle 58">
@@ -21562,8 +21562,8 @@
           </a:p>
         </p:txBody>
       </p:sp>
-      <mc:AlternateContent xmlns:mc="http://schemas.openxmlformats.org/markup-compatibility/2006">
-        <mc:Choice xmlns:a14="http://schemas.microsoft.com/office/drawing/2010/main" Requires="a14">
+      <mc:AlternateContent xmlns:mc="http://schemas.openxmlformats.org/markup-compatibility/2006" xmlns:a14="http://schemas.microsoft.com/office/drawing/2010/main">
+        <mc:Choice Requires="a14">
           <p:sp>
             <p:nvSpPr>
               <p:cNvPr id="61" name="TextBox 60">
@@ -21645,7 +21645,7 @@
             </p:txBody>
           </p:sp>
         </mc:Choice>
-        <mc:Fallback>
+        <mc:Fallback xmlns="">
           <p:sp>
             <p:nvSpPr>
               <p:cNvPr id="61" name="TextBox 60">
@@ -22031,8 +22031,8 @@
           </a:fontRef>
         </p:style>
       </p:cxnSp>
-      <mc:AlternateContent xmlns:mc="http://schemas.openxmlformats.org/markup-compatibility/2006">
-        <mc:Choice xmlns:a14="http://schemas.microsoft.com/office/drawing/2010/main" Requires="a14">
+      <mc:AlternateContent xmlns:mc="http://schemas.openxmlformats.org/markup-compatibility/2006" xmlns:a14="http://schemas.microsoft.com/office/drawing/2010/main">
+        <mc:Choice Requires="a14">
           <p:sp>
             <p:nvSpPr>
               <p:cNvPr id="70" name="Rectangle 69">
@@ -22132,7 +22132,7 @@
             </p:txBody>
           </p:sp>
         </mc:Choice>
-        <mc:Fallback>
+        <mc:Fallback xmlns="">
           <p:sp>
             <p:nvSpPr>
               <p:cNvPr id="70" name="Rectangle 69">
@@ -22182,8 +22182,8 @@
           </p:sp>
         </mc:Fallback>
       </mc:AlternateContent>
-      <mc:AlternateContent xmlns:mc="http://schemas.openxmlformats.org/markup-compatibility/2006">
-        <mc:Choice xmlns:a14="http://schemas.microsoft.com/office/drawing/2010/main" Requires="a14">
+      <mc:AlternateContent xmlns:mc="http://schemas.openxmlformats.org/markup-compatibility/2006" xmlns:a14="http://schemas.microsoft.com/office/drawing/2010/main">
+        <mc:Choice Requires="a14">
           <p:sp>
             <p:nvSpPr>
               <p:cNvPr id="71" name="Rectangle 70">
@@ -22273,7 +22273,7 @@
             </p:txBody>
           </p:sp>
         </mc:Choice>
-        <mc:Fallback>
+        <mc:Fallback xmlns="">
           <p:sp>
             <p:nvSpPr>
               <p:cNvPr id="71" name="Rectangle 70">
